--- a/slides/Chapter1.pptx
+++ b/slides/Chapter1.pptx
@@ -233,7 +233,7 @@
           <a:p>
             <a:fld id="{D2A48B96-639E-45A3-A0BA-2464DFDB1FAA}" type="datetimeFigureOut">
               <a:rPr lang="zh-CN" altLang="en-US" smtClean="0"/>
-              <a:t>2023/1/12</a:t>
+              <a:t>2023/1/14</a:t>
             </a:fld>
             <a:endParaRPr lang="zh-CN" altLang="en-US"/>
           </a:p>
@@ -2344,7 +2344,7 @@
           <a:p>
             <a:fld id="{D997B5FA-0921-464F-AAE1-844C04324D75}" type="datetimeFigureOut">
               <a:rPr lang="zh-CN" altLang="en-US" smtClean="0"/>
-              <a:t>2023/1/12</a:t>
+              <a:t>2023/1/14</a:t>
             </a:fld>
             <a:endParaRPr lang="zh-CN" altLang="en-US"/>
           </a:p>
@@ -2507,7 +2507,7 @@
           <a:p>
             <a:fld id="{D997B5FA-0921-464F-AAE1-844C04324D75}" type="datetimeFigureOut">
               <a:rPr lang="zh-CN" altLang="en-US" smtClean="0"/>
-              <a:t>2023/1/12</a:t>
+              <a:t>2023/1/14</a:t>
             </a:fld>
             <a:endParaRPr lang="zh-CN" altLang="en-US"/>
           </a:p>
@@ -2680,7 +2680,7 @@
           <a:p>
             <a:fld id="{D997B5FA-0921-464F-AAE1-844C04324D75}" type="datetimeFigureOut">
               <a:rPr lang="zh-CN" altLang="en-US" smtClean="0"/>
-              <a:t>2023/1/12</a:t>
+              <a:t>2023/1/14</a:t>
             </a:fld>
             <a:endParaRPr lang="zh-CN" altLang="en-US"/>
           </a:p>
@@ -3354,7 +3354,7 @@
           <a:p>
             <a:fld id="{760FBDFE-C587-4B4C-A407-44438C67B59E}" type="datetimeFigureOut">
               <a:rPr lang="zh-CN" altLang="en-US" smtClean="0"/>
-              <a:t>2023/1/12</a:t>
+              <a:t>2023/1/14</a:t>
             </a:fld>
             <a:endParaRPr lang="zh-CN" altLang="en-US"/>
           </a:p>
@@ -4222,7 +4222,7 @@
           <a:p>
             <a:fld id="{760FBDFE-C587-4B4C-A407-44438C67B59E}" type="datetimeFigureOut">
               <a:rPr lang="zh-CN" altLang="en-US" smtClean="0"/>
-              <a:t>2023/1/12</a:t>
+              <a:t>2023/1/14</a:t>
             </a:fld>
             <a:endParaRPr lang="zh-CN" altLang="en-US"/>
           </a:p>
@@ -5030,7 +5030,7 @@
           <a:p>
             <a:fld id="{760FBDFE-C587-4B4C-A407-44438C67B59E}" type="datetimeFigureOut">
               <a:rPr lang="zh-CN" altLang="en-US" smtClean="0"/>
-              <a:t>2023/1/12</a:t>
+              <a:t>2023/1/14</a:t>
             </a:fld>
             <a:endParaRPr lang="zh-CN" altLang="en-US"/>
           </a:p>
@@ -5767,7 +5767,7 @@
           <a:p>
             <a:fld id="{760FBDFE-C587-4B4C-A407-44438C67B59E}" type="datetimeFigureOut">
               <a:rPr lang="zh-CN" altLang="en-US" smtClean="0"/>
-              <a:t>2023/1/12</a:t>
+              <a:t>2023/1/14</a:t>
             </a:fld>
             <a:endParaRPr lang="zh-CN" altLang="en-US"/>
           </a:p>
@@ -6748,7 +6748,7 @@
           <a:p>
             <a:fld id="{760FBDFE-C587-4B4C-A407-44438C67B59E}" type="datetimeFigureOut">
               <a:rPr lang="zh-CN" altLang="en-US" smtClean="0"/>
-              <a:t>2023/1/12</a:t>
+              <a:t>2023/1/14</a:t>
             </a:fld>
             <a:endParaRPr lang="zh-CN" altLang="en-US"/>
           </a:p>
@@ -7371,7 +7371,7 @@
           <a:p>
             <a:fld id="{760FBDFE-C587-4B4C-A407-44438C67B59E}" type="datetimeFigureOut">
               <a:rPr lang="zh-CN" altLang="en-US" smtClean="0"/>
-              <a:t>2023/1/12</a:t>
+              <a:t>2023/1/14</a:t>
             </a:fld>
             <a:endParaRPr lang="zh-CN" altLang="en-US"/>
           </a:p>
@@ -7478,7 +7478,7 @@
           <a:p>
             <a:fld id="{760FBDFE-C587-4B4C-A407-44438C67B59E}" type="datetimeFigureOut">
               <a:rPr lang="zh-CN" altLang="en-US" smtClean="0"/>
-              <a:t>2023/1/12</a:t>
+              <a:t>2023/1/14</a:t>
             </a:fld>
             <a:endParaRPr lang="zh-CN" altLang="en-US"/>
           </a:p>
@@ -8104,7 +8104,7 @@
           <a:p>
             <a:fld id="{9EFD9D74-47D9-4702-A33C-335B63B48DBF}" type="datetimeFigureOut">
               <a:rPr lang="zh-CN" altLang="en-US" smtClean="0"/>
-              <a:t>2023/1/12</a:t>
+              <a:t>2023/1/14</a:t>
             </a:fld>
             <a:endParaRPr lang="zh-CN" altLang="en-US"/>
           </a:p>
@@ -8299,7 +8299,7 @@
           <a:p>
             <a:fld id="{D997B5FA-0921-464F-AAE1-844C04324D75}" type="datetimeFigureOut">
               <a:rPr lang="zh-CN" altLang="en-US" smtClean="0"/>
-              <a:t>2023/1/12</a:t>
+              <a:t>2023/1/14</a:t>
             </a:fld>
             <a:endParaRPr lang="zh-CN" altLang="en-US"/>
           </a:p>
@@ -8981,7 +8981,7 @@
           <a:p>
             <a:fld id="{760FBDFE-C587-4B4C-A407-44438C67B59E}" type="datetimeFigureOut">
               <a:rPr lang="zh-CN" altLang="en-US" smtClean="0"/>
-              <a:t>2023/1/12</a:t>
+              <a:t>2023/1/14</a:t>
             </a:fld>
             <a:endParaRPr lang="zh-CN" altLang="en-US"/>
           </a:p>
@@ -9517,7 +9517,7 @@
           <a:p>
             <a:fld id="{760FBDFE-C587-4B4C-A407-44438C67B59E}" type="datetimeFigureOut">
               <a:rPr lang="zh-CN" altLang="en-US" smtClean="0"/>
-              <a:t>2023/1/12</a:t>
+              <a:t>2023/1/14</a:t>
             </a:fld>
             <a:endParaRPr lang="zh-CN" altLang="en-US"/>
           </a:p>
@@ -10284,7 +10284,7 @@
           <a:p>
             <a:fld id="{760FBDFE-C587-4B4C-A407-44438C67B59E}" type="datetimeFigureOut">
               <a:rPr lang="zh-CN" altLang="en-US" smtClean="0"/>
-              <a:t>2023/1/12</a:t>
+              <a:t>2023/1/14</a:t>
             </a:fld>
             <a:endParaRPr lang="zh-CN" altLang="en-US"/>
           </a:p>
@@ -10750,7 +10750,7 @@
           <a:p>
             <a:fld id="{760FBDFE-C587-4B4C-A407-44438C67B59E}" type="datetimeFigureOut">
               <a:rPr lang="zh-CN" altLang="en-US" smtClean="0"/>
-              <a:t>2023/1/12</a:t>
+              <a:t>2023/1/14</a:t>
             </a:fld>
             <a:endParaRPr lang="zh-CN" altLang="en-US"/>
           </a:p>
@@ -11440,7 +11440,7 @@
           <a:p>
             <a:fld id="{760FBDFE-C587-4B4C-A407-44438C67B59E}" type="datetimeFigureOut">
               <a:rPr lang="zh-CN" altLang="en-US" smtClean="0"/>
-              <a:t>2023/1/12</a:t>
+              <a:t>2023/1/14</a:t>
             </a:fld>
             <a:endParaRPr lang="zh-CN" altLang="en-US"/>
           </a:p>
@@ -11914,7 +11914,7 @@
           <a:p>
             <a:fld id="{760FBDFE-C587-4B4C-A407-44438C67B59E}" type="datetimeFigureOut">
               <a:rPr lang="zh-CN" altLang="en-US" smtClean="0"/>
-              <a:t>2023/1/12</a:t>
+              <a:t>2023/1/14</a:t>
             </a:fld>
             <a:endParaRPr lang="zh-CN" altLang="en-US"/>
           </a:p>
@@ -12640,7 +12640,7 @@
           <a:p>
             <a:fld id="{760FBDFE-C587-4B4C-A407-44438C67B59E}" type="datetimeFigureOut">
               <a:rPr lang="zh-CN" altLang="en-US" smtClean="0"/>
-              <a:t>2023/1/12</a:t>
+              <a:t>2023/1/14</a:t>
             </a:fld>
             <a:endParaRPr lang="zh-CN" altLang="en-US"/>
           </a:p>
@@ -13280,7 +13280,7 @@
           <a:p>
             <a:fld id="{760FBDFE-C587-4B4C-A407-44438C67B59E}" type="datetimeFigureOut">
               <a:rPr lang="zh-CN" altLang="en-US" smtClean="0"/>
-              <a:t>2023/1/12</a:t>
+              <a:t>2023/1/14</a:t>
             </a:fld>
             <a:endParaRPr lang="zh-CN" altLang="en-US"/>
           </a:p>
@@ -13707,7 +13707,7 @@
           <a:p>
             <a:fld id="{760FBDFE-C587-4B4C-A407-44438C67B59E}" type="datetimeFigureOut">
               <a:rPr lang="zh-CN" altLang="en-US" smtClean="0"/>
-              <a:t>2023/1/12</a:t>
+              <a:t>2023/1/14</a:t>
             </a:fld>
             <a:endParaRPr lang="zh-CN" altLang="en-US"/>
           </a:p>
@@ -14907,7 +14907,7 @@
           <a:p>
             <a:fld id="{760FBDFE-C587-4B4C-A407-44438C67B59E}" type="datetimeFigureOut">
               <a:rPr lang="zh-CN" altLang="en-US" smtClean="0"/>
-              <a:t>2023/1/12</a:t>
+              <a:t>2023/1/14</a:t>
             </a:fld>
             <a:endParaRPr lang="zh-CN" altLang="en-US"/>
           </a:p>
@@ -15226,7 +15226,7 @@
           <a:p>
             <a:fld id="{D997B5FA-0921-464F-AAE1-844C04324D75}" type="datetimeFigureOut">
               <a:rPr lang="zh-CN" altLang="en-US" smtClean="0"/>
-              <a:t>2023/1/12</a:t>
+              <a:t>2023/1/14</a:t>
             </a:fld>
             <a:endParaRPr lang="zh-CN" altLang="en-US"/>
           </a:p>
@@ -15450,7 +15450,7 @@
           <a:p>
             <a:fld id="{D997B5FA-0921-464F-AAE1-844C04324D75}" type="datetimeFigureOut">
               <a:rPr lang="zh-CN" altLang="en-US" smtClean="0"/>
-              <a:t>2023/1/12</a:t>
+              <a:t>2023/1/14</a:t>
             </a:fld>
             <a:endParaRPr lang="zh-CN" altLang="en-US"/>
           </a:p>
@@ -15809,7 +15809,7 @@
           <a:p>
             <a:fld id="{D997B5FA-0921-464F-AAE1-844C04324D75}" type="datetimeFigureOut">
               <a:rPr lang="zh-CN" altLang="en-US" smtClean="0"/>
-              <a:t>2023/1/12</a:t>
+              <a:t>2023/1/14</a:t>
             </a:fld>
             <a:endParaRPr lang="zh-CN" altLang="en-US"/>
           </a:p>
@@ -15921,7 +15921,7 @@
           <a:p>
             <a:fld id="{D997B5FA-0921-464F-AAE1-844C04324D75}" type="datetimeFigureOut">
               <a:rPr lang="zh-CN" altLang="en-US" smtClean="0"/>
-              <a:t>2023/1/12</a:t>
+              <a:t>2023/1/14</a:t>
             </a:fld>
             <a:endParaRPr lang="zh-CN" altLang="en-US"/>
           </a:p>
@@ -16011,7 +16011,7 @@
           <a:p>
             <a:fld id="{D997B5FA-0921-464F-AAE1-844C04324D75}" type="datetimeFigureOut">
               <a:rPr lang="zh-CN" altLang="en-US" smtClean="0"/>
-              <a:t>2023/1/12</a:t>
+              <a:t>2023/1/14</a:t>
             </a:fld>
             <a:endParaRPr lang="zh-CN" altLang="en-US"/>
           </a:p>
@@ -16281,7 +16281,7 @@
           <a:p>
             <a:fld id="{D997B5FA-0921-464F-AAE1-844C04324D75}" type="datetimeFigureOut">
               <a:rPr lang="zh-CN" altLang="en-US" smtClean="0"/>
-              <a:t>2023/1/12</a:t>
+              <a:t>2023/1/14</a:t>
             </a:fld>
             <a:endParaRPr lang="zh-CN" altLang="en-US"/>
           </a:p>
@@ -16528,7 +16528,7 @@
           <a:p>
             <a:fld id="{D997B5FA-0921-464F-AAE1-844C04324D75}" type="datetimeFigureOut">
               <a:rPr lang="zh-CN" altLang="en-US" smtClean="0"/>
-              <a:t>2023/1/12</a:t>
+              <a:t>2023/1/14</a:t>
             </a:fld>
             <a:endParaRPr lang="zh-CN" altLang="en-US"/>
           </a:p>
@@ -16734,7 +16734,7 @@
           <a:p>
             <a:fld id="{D997B5FA-0921-464F-AAE1-844C04324D75}" type="datetimeFigureOut">
               <a:rPr lang="zh-CN" altLang="en-US" smtClean="0"/>
-              <a:t>2023/1/12</a:t>
+              <a:t>2023/1/14</a:t>
             </a:fld>
             <a:endParaRPr lang="zh-CN" altLang="en-US"/>
           </a:p>
@@ -17281,7 +17281,7 @@
           <a:p>
             <a:fld id="{760FBDFE-C587-4B4C-A407-44438C67B59E}" type="datetimeFigureOut">
               <a:rPr lang="zh-CN" altLang="en-US" smtClean="0"/>
-              <a:t>2023/1/12</a:t>
+              <a:t>2023/1/14</a:t>
             </a:fld>
             <a:endParaRPr lang="zh-CN" altLang="en-US"/>
           </a:p>
@@ -31316,16 +31316,11 @@
             <p:custDataLst>
               <p:tags r:id="rId3"/>
             </p:custDataLst>
-            <p:extLst>
-              <p:ext uri="{D42A27DB-BD31-4B8C-83A1-F6EECF244321}">
-                <p14:modId xmlns:p14="http://schemas.microsoft.com/office/powerpoint/2010/main" val="279787436"/>
-              </p:ext>
-            </p:extLst>
           </p:nvPr>
         </p:nvGraphicFramePr>
         <p:xfrm>
           <a:off x="582775" y="1770576"/>
-          <a:ext cx="6708140" cy="1261745"/>
+          <a:ext cx="6908360" cy="1261745"/>
         </p:xfrm>
         <a:graphic>
           <a:graphicData uri="http://schemas.openxmlformats.org/drawingml/2006/table">
@@ -31334,7 +31329,7 @@
                 <a:tableStyleId>{5C22544A-7EE6-4342-B048-85BDC9FD1C3A}</a:tableStyleId>
               </a:tblPr>
               <a:tblGrid>
-                <a:gridCol w="6708140">
+                <a:gridCol w="6908360">
                   <a:extLst>
                     <a:ext uri="{9D8B030D-6E8A-4147-A177-3AD203B41FA5}">
                       <a16:colId xmlns:a16="http://schemas.microsoft.com/office/drawing/2014/main" val="20000"/>
@@ -31689,16 +31684,11 @@
             <p:custDataLst>
               <p:tags r:id="rId5"/>
             </p:custDataLst>
-            <p:extLst>
-              <p:ext uri="{D42A27DB-BD31-4B8C-83A1-F6EECF244321}">
-                <p14:modId xmlns:p14="http://schemas.microsoft.com/office/powerpoint/2010/main" val="50778629"/>
-              </p:ext>
-            </p:extLst>
           </p:nvPr>
         </p:nvGraphicFramePr>
         <p:xfrm>
           <a:off x="579600" y="3361886"/>
-          <a:ext cx="6708775" cy="1261745"/>
+          <a:ext cx="6911535" cy="1261745"/>
         </p:xfrm>
         <a:graphic>
           <a:graphicData uri="http://schemas.openxmlformats.org/drawingml/2006/table">
@@ -31707,7 +31697,7 @@
                 <a:tableStyleId>{5C22544A-7EE6-4342-B048-85BDC9FD1C3A}</a:tableStyleId>
               </a:tblPr>
               <a:tblGrid>
-                <a:gridCol w="6708775">
+                <a:gridCol w="6911535">
                   <a:extLst>
                     <a:ext uri="{9D8B030D-6E8A-4147-A177-3AD203B41FA5}">
                       <a16:colId xmlns:a16="http://schemas.microsoft.com/office/drawing/2014/main" val="20000"/>
@@ -31820,16 +31810,11 @@
             <p:custDataLst>
               <p:tags r:id="rId6"/>
             </p:custDataLst>
-            <p:extLst>
-              <p:ext uri="{D42A27DB-BD31-4B8C-83A1-F6EECF244321}">
-                <p14:modId xmlns:p14="http://schemas.microsoft.com/office/powerpoint/2010/main" val="2973957467"/>
-              </p:ext>
-            </p:extLst>
           </p:nvPr>
         </p:nvGraphicFramePr>
         <p:xfrm>
-          <a:off x="582775" y="4953196"/>
-          <a:ext cx="6689090" cy="1463040"/>
+          <a:off x="582774" y="4953196"/>
+          <a:ext cx="6911535" cy="1261745"/>
         </p:xfrm>
         <a:graphic>
           <a:graphicData uri="http://schemas.openxmlformats.org/drawingml/2006/table">
@@ -31838,7 +31823,7 @@
                 <a:tableStyleId>{5C22544A-7EE6-4342-B048-85BDC9FD1C3A}</a:tableStyleId>
               </a:tblPr>
               <a:tblGrid>
-                <a:gridCol w="6689090">
+                <a:gridCol w="6911535">
                   <a:extLst>
                     <a:ext uri="{9D8B030D-6E8A-4147-A177-3AD203B41FA5}">
                       <a16:colId xmlns:a16="http://schemas.microsoft.com/office/drawing/2014/main" val="20000"/>
